--- a/ClassMaterials/SETechniques/Slides/Part6-SETechniques-DesignProblemHomework1.pptx
+++ b/ClassMaterials/SETechniques/Slides/Part6-SETechniques-DesignProblemHomework1.pptx
@@ -143,6 +143,43 @@
 </p:cmAuthorLst>
 </file>
 
+<file path=ppt/changesInfos/changesInfo1.xml><?xml version="1.0" encoding="utf-8"?>
+<pc:chgInfo xmlns:a="http://schemas.openxmlformats.org/drawingml/2006/main" xmlns:r="http://schemas.openxmlformats.org/officeDocument/2006/relationships" xmlns:ac="http://schemas.microsoft.com/office/drawing/2013/main/command" xmlns:pc="http://schemas.microsoft.com/office/powerpoint/2013/main/command">
+  <pc:docChgLst>
+    <pc:chgData name="Yoder, Jason" userId="28f4d4d8-da04-4f86-b14d-a21675737bc5" providerId="ADAL" clId="{18A9A9AE-14BC-4A97-8661-2B135855B3AA}"/>
+    <pc:docChg chg="modSld">
+      <pc:chgData name="Yoder, Jason" userId="28f4d4d8-da04-4f86-b14d-a21675737bc5" providerId="ADAL" clId="{18A9A9AE-14BC-4A97-8661-2B135855B3AA}" dt="2023-09-12T11:43:13.570" v="28" actId="1076"/>
+      <pc:docMkLst>
+        <pc:docMk/>
+      </pc:docMkLst>
+      <pc:sldChg chg="addSp modSp mod">
+        <pc:chgData name="Yoder, Jason" userId="28f4d4d8-da04-4f86-b14d-a21675737bc5" providerId="ADAL" clId="{18A9A9AE-14BC-4A97-8661-2B135855B3AA}" dt="2023-09-12T11:43:13.570" v="28" actId="1076"/>
+        <pc:sldMkLst>
+          <pc:docMk/>
+          <pc:sldMk cId="1083182638" sldId="398"/>
+        </pc:sldMkLst>
+        <pc:spChg chg="mod">
+          <ac:chgData name="Yoder, Jason" userId="28f4d4d8-da04-4f86-b14d-a21675737bc5" providerId="ADAL" clId="{18A9A9AE-14BC-4A97-8661-2B135855B3AA}" dt="2023-09-12T11:42:45.004" v="24" actId="20577"/>
+          <ac:spMkLst>
+            <pc:docMk/>
+            <pc:sldMk cId="1083182638" sldId="398"/>
+            <ac:spMk id="3" creationId="{00000000-0000-0000-0000-000000000000}"/>
+          </ac:spMkLst>
+        </pc:spChg>
+        <pc:picChg chg="add mod">
+          <ac:chgData name="Yoder, Jason" userId="28f4d4d8-da04-4f86-b14d-a21675737bc5" providerId="ADAL" clId="{18A9A9AE-14BC-4A97-8661-2B135855B3AA}" dt="2023-09-12T11:43:13.570" v="28" actId="1076"/>
+          <ac:picMkLst>
+            <pc:docMk/>
+            <pc:sldMk cId="1083182638" sldId="398"/>
+            <ac:picMk id="5" creationId="{F963A310-F62F-2F39-8348-C3EBE9EE7C9E}"/>
+          </ac:picMkLst>
+        </pc:picChg>
+      </pc:sldChg>
+    </pc:docChg>
+  </pc:docChgLst>
+</pc:chgInfo>
+</file>
+
 <file path=ppt/handoutMasters/handoutMaster1.xml><?xml version="1.0" encoding="utf-8"?>
 <p:handoutMaster xmlns:a="http://schemas.openxmlformats.org/drawingml/2006/main" xmlns:r="http://schemas.openxmlformats.org/officeDocument/2006/relationships" xmlns:p="http://schemas.openxmlformats.org/presentationml/2006/main">
   <p:cSld>
@@ -225,7 +262,7 @@
           <a:p>
             <a:fld id="{A470E182-4433-B944-AF35-723DFC7F8728}" type="datetimeFigureOut">
               <a:rPr lang="en-US" smtClean="0"/>
-              <a:t>12/4/2022</a:t>
+              <a:t>9/12/2023</a:t>
             </a:fld>
             <a:endParaRPr lang="en-US"/>
           </a:p>
@@ -390,7 +427,7 @@
           <a:p>
             <a:fld id="{C12EF212-CCF8-3B4F-9C5F-A87F03513D57}" type="datetimeFigureOut">
               <a:rPr lang="en-US" smtClean="0"/>
-              <a:t>12/4/2022</a:t>
+              <a:t>9/12/2023</a:t>
             </a:fld>
             <a:endParaRPr lang="en-US"/>
           </a:p>
@@ -888,7 +925,7 @@
               <a:pPr>
                 <a:defRPr/>
               </a:pPr>
-              <a:t>Sunday, December 4, 2022</a:t>
+              <a:t>Tuesday, September 12, 2023</a:t>
             </a:fld>
             <a:endParaRPr lang="en-US"/>
           </a:p>
@@ -1081,7 +1118,7 @@
               <a:pPr>
                 <a:defRPr/>
               </a:pPr>
-              <a:t>Sunday, December 4, 2022</a:t>
+              <a:t>Tuesday, September 12, 2023</a:t>
             </a:fld>
             <a:endParaRPr lang="en-US">
               <a:solidFill>
@@ -1294,7 +1331,7 @@
               <a:pPr>
                 <a:defRPr/>
               </a:pPr>
-              <a:t>Sunday, December 4, 2022</a:t>
+              <a:t>Tuesday, September 12, 2023</a:t>
             </a:fld>
             <a:endParaRPr lang="en-US">
               <a:solidFill>
@@ -1497,7 +1534,7 @@
               <a:pPr>
                 <a:defRPr/>
               </a:pPr>
-              <a:t>Sunday, December 4, 2022</a:t>
+              <a:t>Tuesday, September 12, 2023</a:t>
             </a:fld>
             <a:endParaRPr lang="en-US">
               <a:solidFill>
@@ -1777,7 +1814,7 @@
               <a:pPr>
                 <a:defRPr/>
               </a:pPr>
-              <a:t>Sunday, December 4, 2022</a:t>
+              <a:t>Tuesday, September 12, 2023</a:t>
             </a:fld>
             <a:endParaRPr lang="en-US">
               <a:solidFill>
@@ -2041,7 +2078,7 @@
               <a:pPr>
                 <a:defRPr/>
               </a:pPr>
-              <a:t>Sunday, December 4, 2022</a:t>
+              <a:t>Tuesday, September 12, 2023</a:t>
             </a:fld>
             <a:endParaRPr lang="en-US">
               <a:solidFill>
@@ -2440,7 +2477,7 @@
               <a:pPr>
                 <a:defRPr/>
               </a:pPr>
-              <a:t>Sunday, December 4, 2022</a:t>
+              <a:t>Tuesday, September 12, 2023</a:t>
             </a:fld>
             <a:endParaRPr lang="en-US">
               <a:solidFill>
@@ -2592,7 +2629,7 @@
               <a:pPr>
                 <a:defRPr/>
               </a:pPr>
-              <a:t>Sunday, December 4, 2022</a:t>
+              <a:t>Tuesday, September 12, 2023</a:t>
             </a:fld>
             <a:endParaRPr lang="en-US">
               <a:solidFill>
@@ -2722,7 +2759,7 @@
               <a:pPr>
                 <a:defRPr/>
               </a:pPr>
-              <a:t>Sunday, December 4, 2022</a:t>
+              <a:t>Tuesday, September 12, 2023</a:t>
             </a:fld>
             <a:endParaRPr lang="en-US">
               <a:solidFill>
@@ -3032,7 +3069,7 @@
               <a:pPr>
                 <a:defRPr/>
               </a:pPr>
-              <a:t>Sunday, December 4, 2022</a:t>
+              <a:t>Tuesday, September 12, 2023</a:t>
             </a:fld>
             <a:endParaRPr lang="en-US">
               <a:solidFill>
@@ -3319,7 +3356,7 @@
               <a:pPr>
                 <a:defRPr/>
               </a:pPr>
-              <a:t>Sunday, December 4, 2022</a:t>
+              <a:t>Tuesday, September 12, 2023</a:t>
             </a:fld>
             <a:endParaRPr lang="en-US">
               <a:solidFill>
@@ -3579,7 +3616,7 @@
                 </a:spcAft>
                 <a:defRPr/>
               </a:pPr>
-              <a:t>Sunday, December 4, 2022</a:t>
+              <a:t>Tuesday, September 12, 2023</a:t>
             </a:fld>
             <a:endParaRPr lang="en-US">
               <a:solidFill>
@@ -4138,14 +4175,11 @@
           <a:p>
             <a:r>
               <a:rPr lang="en-US" dirty="0"/>
-              <a:t>We’ll discuss more design principles after Exam </a:t>
-            </a:r>
-            <a:r>
-              <a:rPr lang="en-US" dirty="0">
-                <a:cs typeface="Calibri"/>
-              </a:rPr>
-              <a:t>1</a:t>
-            </a:r>
+              <a:t>We’ll discuss more design principles  as the course progresses</a:t>
+            </a:r>
+            <a:endParaRPr lang="en-US" dirty="0">
+              <a:cs typeface="Calibri"/>
+            </a:endParaRPr>
           </a:p>
           <a:p>
             <a:endParaRPr lang="en-US" dirty="0">
@@ -4168,6 +4202,36 @@
           </a:p>
         </p:txBody>
       </p:sp>
+      <p:pic>
+        <p:nvPicPr>
+          <p:cNvPr id="5" name="Picture 4">
+            <a:extLst>
+              <a:ext uri="{FF2B5EF4-FFF2-40B4-BE49-F238E27FC236}">
+                <a16:creationId xmlns:a16="http://schemas.microsoft.com/office/drawing/2014/main" id="{F963A310-F62F-2F39-8348-C3EBE9EE7C9E}"/>
+              </a:ext>
+            </a:extLst>
+          </p:cNvPr>
+          <p:cNvPicPr>
+            <a:picLocks noChangeAspect="1"/>
+          </p:cNvPicPr>
+          <p:nvPr/>
+        </p:nvPicPr>
+        <p:blipFill>
+          <a:blip r:embed="rId3"/>
+          <a:stretch>
+            <a:fillRect/>
+          </a:stretch>
+        </p:blipFill>
+        <p:spPr>
+          <a:xfrm>
+            <a:off x="628650" y="5675551"/>
+            <a:ext cx="7963049" cy="817323"/>
+          </a:xfrm>
+          <a:prstGeom prst="rect">
+            <a:avLst/>
+          </a:prstGeom>
+        </p:spPr>
+      </p:pic>
     </p:spTree>
     <p:extLst>
       <p:ext uri="{BB962C8B-B14F-4D97-AF65-F5344CB8AC3E}">
@@ -5277,6 +5341,17 @@
 </file>
 
 <file path=customXml/item1.xml><?xml version="1.0" encoding="utf-8"?>
+<p:properties xmlns:p="http://schemas.microsoft.com/office/2006/metadata/properties" xmlns:xsi="http://www.w3.org/2001/XMLSchema-instance" xmlns:pc="http://schemas.microsoft.com/office/infopath/2007/PartnerControls">
+  <documentManagement>
+    <TaxCatchAll xmlns="820f9cb1-409d-4c4b-8197-1d4f7dd48124" xsi:nil="true"/>
+    <lcf76f155ced4ddcb4097134ff3c332f xmlns="08600313-7276-4ca7-b5d3-7d86193ee0ac">
+      <Terms xmlns="http://schemas.microsoft.com/office/infopath/2007/PartnerControls"/>
+    </lcf76f155ced4ddcb4097134ff3c332f>
+  </documentManagement>
+</p:properties>
+</file>
+
+<file path=customXml/item2.xml><?xml version="1.0" encoding="utf-8"?>
 <ct:contentTypeSchema xmlns:ct="http://schemas.microsoft.com/office/2006/metadata/contentType" xmlns:ma="http://schemas.microsoft.com/office/2006/metadata/properties/metaAttributes" ct:_="" ma:_="" ma:contentTypeName="Document" ma:contentTypeID="0x0101004285D81DBE5F5A448E892B34D6B8CF20" ma:contentTypeVersion="7" ma:contentTypeDescription="Create a new document." ma:contentTypeScope="" ma:versionID="5d1eb4e46a89551cacffd71f81775a5c">
   <xsd:schema xmlns:xsd="http://www.w3.org/2001/XMLSchema" xmlns:xs="http://www.w3.org/2001/XMLSchema" xmlns:p="http://schemas.microsoft.com/office/2006/metadata/properties" xmlns:ns2="08600313-7276-4ca7-b5d3-7d86193ee0ac" xmlns:ns3="820f9cb1-409d-4c4b-8197-1d4f7dd48124" targetNamespace="http://schemas.microsoft.com/office/2006/metadata/properties" ma:root="true" ma:fieldsID="88f943689c6eba50ac915d805157f594" ns2:_="" ns3:_="">
     <xsd:import namespace="08600313-7276-4ca7-b5d3-7d86193ee0ac"/>
@@ -5445,17 +5520,6 @@
 </ct:contentTypeSchema>
 </file>
 
-<file path=customXml/item2.xml><?xml version="1.0" encoding="utf-8"?>
-<p:properties xmlns:p="http://schemas.microsoft.com/office/2006/metadata/properties" xmlns:xsi="http://www.w3.org/2001/XMLSchema-instance" xmlns:pc="http://schemas.microsoft.com/office/infopath/2007/PartnerControls">
-  <documentManagement>
-    <TaxCatchAll xmlns="820f9cb1-409d-4c4b-8197-1d4f7dd48124" xsi:nil="true"/>
-    <lcf76f155ced4ddcb4097134ff3c332f xmlns="08600313-7276-4ca7-b5d3-7d86193ee0ac">
-      <Terms xmlns="http://schemas.microsoft.com/office/infopath/2007/PartnerControls"/>
-    </lcf76f155ced4ddcb4097134ff3c332f>
-  </documentManagement>
-</p:properties>
-</file>
-
 <file path=customXml/item3.xml><?xml version="1.0" encoding="utf-8"?>
 <?mso-contentType ?>
 <FormTemplates xmlns="http://schemas.microsoft.com/sharepoint/v3/contenttype/forms">
@@ -5466,6 +5530,24 @@
 </file>
 
 <file path=customXml/itemProps1.xml><?xml version="1.0" encoding="utf-8"?>
+<ds:datastoreItem xmlns:ds="http://schemas.openxmlformats.org/officeDocument/2006/customXml" ds:itemID="{2F4CC81C-03FD-4D6F-AA26-1CFBF0EF6A42}">
+  <ds:schemaRefs>
+    <ds:schemaRef ds:uri="http://purl.org/dc/terms/"/>
+    <ds:schemaRef ds:uri="http://schemas.microsoft.com/office/2006/documentManagement/types"/>
+    <ds:schemaRef ds:uri="79ddb764-415a-4c38-83b7-908be6382bea"/>
+    <ds:schemaRef ds:uri="http://schemas.microsoft.com/office/infopath/2007/PartnerControls"/>
+    <ds:schemaRef ds:uri="http://purl.org/dc/elements/1.1/"/>
+    <ds:schemaRef ds:uri="http://schemas.microsoft.com/office/2006/metadata/properties"/>
+    <ds:schemaRef ds:uri="http://schemas.openxmlformats.org/package/2006/metadata/core-properties"/>
+    <ds:schemaRef ds:uri="http://www.w3.org/XML/1998/namespace"/>
+    <ds:schemaRef ds:uri="http://purl.org/dc/dcmitype/"/>
+    <ds:schemaRef ds:uri="820f9cb1-409d-4c4b-8197-1d4f7dd48124"/>
+    <ds:schemaRef ds:uri="08600313-7276-4ca7-b5d3-7d86193ee0ac"/>
+  </ds:schemaRefs>
+</ds:datastoreItem>
+</file>
+
+<file path=customXml/itemProps2.xml><?xml version="1.0" encoding="utf-8"?>
 <ds:datastoreItem xmlns:ds="http://schemas.openxmlformats.org/officeDocument/2006/customXml" ds:itemID="{DFB705E6-53BA-46E9-9674-976275B28AE7}">
   <ds:schemaRefs>
     <ds:schemaRef ds:uri="http://schemas.microsoft.com/office/2006/metadata/contentType"/>
@@ -5484,24 +5566,6 @@
 </ds:datastoreItem>
 </file>
 
-<file path=customXml/itemProps2.xml><?xml version="1.0" encoding="utf-8"?>
-<ds:datastoreItem xmlns:ds="http://schemas.openxmlformats.org/officeDocument/2006/customXml" ds:itemID="{2F4CC81C-03FD-4D6F-AA26-1CFBF0EF6A42}">
-  <ds:schemaRefs>
-    <ds:schemaRef ds:uri="http://purl.org/dc/terms/"/>
-    <ds:schemaRef ds:uri="http://schemas.microsoft.com/office/2006/documentManagement/types"/>
-    <ds:schemaRef ds:uri="79ddb764-415a-4c38-83b7-908be6382bea"/>
-    <ds:schemaRef ds:uri="http://schemas.microsoft.com/office/infopath/2007/PartnerControls"/>
-    <ds:schemaRef ds:uri="http://purl.org/dc/elements/1.1/"/>
-    <ds:schemaRef ds:uri="http://schemas.microsoft.com/office/2006/metadata/properties"/>
-    <ds:schemaRef ds:uri="http://schemas.openxmlformats.org/package/2006/metadata/core-properties"/>
-    <ds:schemaRef ds:uri="http://www.w3.org/XML/1998/namespace"/>
-    <ds:schemaRef ds:uri="http://purl.org/dc/dcmitype/"/>
-    <ds:schemaRef ds:uri="820f9cb1-409d-4c4b-8197-1d4f7dd48124"/>
-    <ds:schemaRef ds:uri="08600313-7276-4ca7-b5d3-7d86193ee0ac"/>
-  </ds:schemaRefs>
-</ds:datastoreItem>
-</file>
-
 <file path=customXml/itemProps3.xml><?xml version="1.0" encoding="utf-8"?>
 <ds:datastoreItem xmlns:ds="http://schemas.openxmlformats.org/officeDocument/2006/customXml" ds:itemID="{06B0D7FD-3F15-4031-9B74-9BD0678C88D3}">
   <ds:schemaRefs>

--- a/ClassMaterials/SETechniques/Slides/Part6-SETechniques-DesignProblemHomework1.pptx
+++ b/ClassMaterials/SETechniques/Slides/Part6-SETechniques-DesignProblemHomework1.pptx
@@ -143,43 +143,6 @@
 </p:cmAuthorLst>
 </file>
 
-<file path=ppt/changesInfos/changesInfo1.xml><?xml version="1.0" encoding="utf-8"?>
-<pc:chgInfo xmlns:a="http://schemas.openxmlformats.org/drawingml/2006/main" xmlns:r="http://schemas.openxmlformats.org/officeDocument/2006/relationships" xmlns:ac="http://schemas.microsoft.com/office/drawing/2013/main/command" xmlns:pc="http://schemas.microsoft.com/office/powerpoint/2013/main/command">
-  <pc:docChgLst>
-    <pc:chgData name="Yoder, Jason" userId="28f4d4d8-da04-4f86-b14d-a21675737bc5" providerId="ADAL" clId="{18A9A9AE-14BC-4A97-8661-2B135855B3AA}"/>
-    <pc:docChg chg="modSld">
-      <pc:chgData name="Yoder, Jason" userId="28f4d4d8-da04-4f86-b14d-a21675737bc5" providerId="ADAL" clId="{18A9A9AE-14BC-4A97-8661-2B135855B3AA}" dt="2023-09-12T11:43:13.570" v="28" actId="1076"/>
-      <pc:docMkLst>
-        <pc:docMk/>
-      </pc:docMkLst>
-      <pc:sldChg chg="addSp modSp mod">
-        <pc:chgData name="Yoder, Jason" userId="28f4d4d8-da04-4f86-b14d-a21675737bc5" providerId="ADAL" clId="{18A9A9AE-14BC-4A97-8661-2B135855B3AA}" dt="2023-09-12T11:43:13.570" v="28" actId="1076"/>
-        <pc:sldMkLst>
-          <pc:docMk/>
-          <pc:sldMk cId="1083182638" sldId="398"/>
-        </pc:sldMkLst>
-        <pc:spChg chg="mod">
-          <ac:chgData name="Yoder, Jason" userId="28f4d4d8-da04-4f86-b14d-a21675737bc5" providerId="ADAL" clId="{18A9A9AE-14BC-4A97-8661-2B135855B3AA}" dt="2023-09-12T11:42:45.004" v="24" actId="20577"/>
-          <ac:spMkLst>
-            <pc:docMk/>
-            <pc:sldMk cId="1083182638" sldId="398"/>
-            <ac:spMk id="3" creationId="{00000000-0000-0000-0000-000000000000}"/>
-          </ac:spMkLst>
-        </pc:spChg>
-        <pc:picChg chg="add mod">
-          <ac:chgData name="Yoder, Jason" userId="28f4d4d8-da04-4f86-b14d-a21675737bc5" providerId="ADAL" clId="{18A9A9AE-14BC-4A97-8661-2B135855B3AA}" dt="2023-09-12T11:43:13.570" v="28" actId="1076"/>
-          <ac:picMkLst>
-            <pc:docMk/>
-            <pc:sldMk cId="1083182638" sldId="398"/>
-            <ac:picMk id="5" creationId="{F963A310-F62F-2F39-8348-C3EBE9EE7C9E}"/>
-          </ac:picMkLst>
-        </pc:picChg>
-      </pc:sldChg>
-    </pc:docChg>
-  </pc:docChgLst>
-</pc:chgInfo>
-</file>
-
 <file path=ppt/handoutMasters/handoutMaster1.xml><?xml version="1.0" encoding="utf-8"?>
 <p:handoutMaster xmlns:a="http://schemas.openxmlformats.org/drawingml/2006/main" xmlns:r="http://schemas.openxmlformats.org/officeDocument/2006/relationships" xmlns:p="http://schemas.openxmlformats.org/presentationml/2006/main">
   <p:cSld>
@@ -262,7 +225,7 @@
           <a:p>
             <a:fld id="{A470E182-4433-B944-AF35-723DFC7F8728}" type="datetimeFigureOut">
               <a:rPr lang="en-US" smtClean="0"/>
-              <a:t>9/12/2023</a:t>
+              <a:t>12/4/2022</a:t>
             </a:fld>
             <a:endParaRPr lang="en-US"/>
           </a:p>
@@ -427,7 +390,7 @@
           <a:p>
             <a:fld id="{C12EF212-CCF8-3B4F-9C5F-A87F03513D57}" type="datetimeFigureOut">
               <a:rPr lang="en-US" smtClean="0"/>
-              <a:t>9/12/2023</a:t>
+              <a:t>12/4/2022</a:t>
             </a:fld>
             <a:endParaRPr lang="en-US"/>
           </a:p>
@@ -925,7 +888,7 @@
               <a:pPr>
                 <a:defRPr/>
               </a:pPr>
-              <a:t>Tuesday, September 12, 2023</a:t>
+              <a:t>Sunday, December 4, 2022</a:t>
             </a:fld>
             <a:endParaRPr lang="en-US"/>
           </a:p>
@@ -1118,7 +1081,7 @@
               <a:pPr>
                 <a:defRPr/>
               </a:pPr>
-              <a:t>Tuesday, September 12, 2023</a:t>
+              <a:t>Sunday, December 4, 2022</a:t>
             </a:fld>
             <a:endParaRPr lang="en-US">
               <a:solidFill>
@@ -1331,7 +1294,7 @@
               <a:pPr>
                 <a:defRPr/>
               </a:pPr>
-              <a:t>Tuesday, September 12, 2023</a:t>
+              <a:t>Sunday, December 4, 2022</a:t>
             </a:fld>
             <a:endParaRPr lang="en-US">
               <a:solidFill>
@@ -1534,7 +1497,7 @@
               <a:pPr>
                 <a:defRPr/>
               </a:pPr>
-              <a:t>Tuesday, September 12, 2023</a:t>
+              <a:t>Sunday, December 4, 2022</a:t>
             </a:fld>
             <a:endParaRPr lang="en-US">
               <a:solidFill>
@@ -1814,7 +1777,7 @@
               <a:pPr>
                 <a:defRPr/>
               </a:pPr>
-              <a:t>Tuesday, September 12, 2023</a:t>
+              <a:t>Sunday, December 4, 2022</a:t>
             </a:fld>
             <a:endParaRPr lang="en-US">
               <a:solidFill>
@@ -2078,7 +2041,7 @@
               <a:pPr>
                 <a:defRPr/>
               </a:pPr>
-              <a:t>Tuesday, September 12, 2023</a:t>
+              <a:t>Sunday, December 4, 2022</a:t>
             </a:fld>
             <a:endParaRPr lang="en-US">
               <a:solidFill>
@@ -2477,7 +2440,7 @@
               <a:pPr>
                 <a:defRPr/>
               </a:pPr>
-              <a:t>Tuesday, September 12, 2023</a:t>
+              <a:t>Sunday, December 4, 2022</a:t>
             </a:fld>
             <a:endParaRPr lang="en-US">
               <a:solidFill>
@@ -2629,7 +2592,7 @@
               <a:pPr>
                 <a:defRPr/>
               </a:pPr>
-              <a:t>Tuesday, September 12, 2023</a:t>
+              <a:t>Sunday, December 4, 2022</a:t>
             </a:fld>
             <a:endParaRPr lang="en-US">
               <a:solidFill>
@@ -2759,7 +2722,7 @@
               <a:pPr>
                 <a:defRPr/>
               </a:pPr>
-              <a:t>Tuesday, September 12, 2023</a:t>
+              <a:t>Sunday, December 4, 2022</a:t>
             </a:fld>
             <a:endParaRPr lang="en-US">
               <a:solidFill>
@@ -3069,7 +3032,7 @@
               <a:pPr>
                 <a:defRPr/>
               </a:pPr>
-              <a:t>Tuesday, September 12, 2023</a:t>
+              <a:t>Sunday, December 4, 2022</a:t>
             </a:fld>
             <a:endParaRPr lang="en-US">
               <a:solidFill>
@@ -3356,7 +3319,7 @@
               <a:pPr>
                 <a:defRPr/>
               </a:pPr>
-              <a:t>Tuesday, September 12, 2023</a:t>
+              <a:t>Sunday, December 4, 2022</a:t>
             </a:fld>
             <a:endParaRPr lang="en-US">
               <a:solidFill>
@@ -3616,7 +3579,7 @@
                 </a:spcAft>
                 <a:defRPr/>
               </a:pPr>
-              <a:t>Tuesday, September 12, 2023</a:t>
+              <a:t>Sunday, December 4, 2022</a:t>
             </a:fld>
             <a:endParaRPr lang="en-US">
               <a:solidFill>
@@ -4175,11 +4138,14 @@
           <a:p>
             <a:r>
               <a:rPr lang="en-US" dirty="0"/>
-              <a:t>We’ll discuss more design principles  as the course progresses</a:t>
-            </a:r>
-            <a:endParaRPr lang="en-US" dirty="0">
-              <a:cs typeface="Calibri"/>
-            </a:endParaRPr>
+              <a:t>We’ll discuss more design principles after Exam </a:t>
+            </a:r>
+            <a:r>
+              <a:rPr lang="en-US" dirty="0">
+                <a:cs typeface="Calibri"/>
+              </a:rPr>
+              <a:t>1</a:t>
+            </a:r>
           </a:p>
           <a:p>
             <a:endParaRPr lang="en-US" dirty="0">
@@ -4202,36 +4168,6 @@
           </a:p>
         </p:txBody>
       </p:sp>
-      <p:pic>
-        <p:nvPicPr>
-          <p:cNvPr id="5" name="Picture 4">
-            <a:extLst>
-              <a:ext uri="{FF2B5EF4-FFF2-40B4-BE49-F238E27FC236}">
-                <a16:creationId xmlns:a16="http://schemas.microsoft.com/office/drawing/2014/main" id="{F963A310-F62F-2F39-8348-C3EBE9EE7C9E}"/>
-              </a:ext>
-            </a:extLst>
-          </p:cNvPr>
-          <p:cNvPicPr>
-            <a:picLocks noChangeAspect="1"/>
-          </p:cNvPicPr>
-          <p:nvPr/>
-        </p:nvPicPr>
-        <p:blipFill>
-          <a:blip r:embed="rId3"/>
-          <a:stretch>
-            <a:fillRect/>
-          </a:stretch>
-        </p:blipFill>
-        <p:spPr>
-          <a:xfrm>
-            <a:off x="628650" y="5675551"/>
-            <a:ext cx="7963049" cy="817323"/>
-          </a:xfrm>
-          <a:prstGeom prst="rect">
-            <a:avLst/>
-          </a:prstGeom>
-        </p:spPr>
-      </p:pic>
     </p:spTree>
     <p:extLst>
       <p:ext uri="{BB962C8B-B14F-4D97-AF65-F5344CB8AC3E}">
@@ -5341,17 +5277,6 @@
 </file>
 
 <file path=customXml/item1.xml><?xml version="1.0" encoding="utf-8"?>
-<p:properties xmlns:p="http://schemas.microsoft.com/office/2006/metadata/properties" xmlns:xsi="http://www.w3.org/2001/XMLSchema-instance" xmlns:pc="http://schemas.microsoft.com/office/infopath/2007/PartnerControls">
-  <documentManagement>
-    <TaxCatchAll xmlns="820f9cb1-409d-4c4b-8197-1d4f7dd48124" xsi:nil="true"/>
-    <lcf76f155ced4ddcb4097134ff3c332f xmlns="08600313-7276-4ca7-b5d3-7d86193ee0ac">
-      <Terms xmlns="http://schemas.microsoft.com/office/infopath/2007/PartnerControls"/>
-    </lcf76f155ced4ddcb4097134ff3c332f>
-  </documentManagement>
-</p:properties>
-</file>
-
-<file path=customXml/item2.xml><?xml version="1.0" encoding="utf-8"?>
 <ct:contentTypeSchema xmlns:ct="http://schemas.microsoft.com/office/2006/metadata/contentType" xmlns:ma="http://schemas.microsoft.com/office/2006/metadata/properties/metaAttributes" ct:_="" ma:_="" ma:contentTypeName="Document" ma:contentTypeID="0x0101004285D81DBE5F5A448E892B34D6B8CF20" ma:contentTypeVersion="7" ma:contentTypeDescription="Create a new document." ma:contentTypeScope="" ma:versionID="5d1eb4e46a89551cacffd71f81775a5c">
   <xsd:schema xmlns:xsd="http://www.w3.org/2001/XMLSchema" xmlns:xs="http://www.w3.org/2001/XMLSchema" xmlns:p="http://schemas.microsoft.com/office/2006/metadata/properties" xmlns:ns2="08600313-7276-4ca7-b5d3-7d86193ee0ac" xmlns:ns3="820f9cb1-409d-4c4b-8197-1d4f7dd48124" targetNamespace="http://schemas.microsoft.com/office/2006/metadata/properties" ma:root="true" ma:fieldsID="88f943689c6eba50ac915d805157f594" ns2:_="" ns3:_="">
     <xsd:import namespace="08600313-7276-4ca7-b5d3-7d86193ee0ac"/>
@@ -5520,6 +5445,17 @@
 </ct:contentTypeSchema>
 </file>
 
+<file path=customXml/item2.xml><?xml version="1.0" encoding="utf-8"?>
+<p:properties xmlns:p="http://schemas.microsoft.com/office/2006/metadata/properties" xmlns:xsi="http://www.w3.org/2001/XMLSchema-instance" xmlns:pc="http://schemas.microsoft.com/office/infopath/2007/PartnerControls">
+  <documentManagement>
+    <TaxCatchAll xmlns="820f9cb1-409d-4c4b-8197-1d4f7dd48124" xsi:nil="true"/>
+    <lcf76f155ced4ddcb4097134ff3c332f xmlns="08600313-7276-4ca7-b5d3-7d86193ee0ac">
+      <Terms xmlns="http://schemas.microsoft.com/office/infopath/2007/PartnerControls"/>
+    </lcf76f155ced4ddcb4097134ff3c332f>
+  </documentManagement>
+</p:properties>
+</file>
+
 <file path=customXml/item3.xml><?xml version="1.0" encoding="utf-8"?>
 <?mso-contentType ?>
 <FormTemplates xmlns="http://schemas.microsoft.com/sharepoint/v3/contenttype/forms">
@@ -5530,24 +5466,6 @@
 </file>
 
 <file path=customXml/itemProps1.xml><?xml version="1.0" encoding="utf-8"?>
-<ds:datastoreItem xmlns:ds="http://schemas.openxmlformats.org/officeDocument/2006/customXml" ds:itemID="{2F4CC81C-03FD-4D6F-AA26-1CFBF0EF6A42}">
-  <ds:schemaRefs>
-    <ds:schemaRef ds:uri="http://purl.org/dc/terms/"/>
-    <ds:schemaRef ds:uri="http://schemas.microsoft.com/office/2006/documentManagement/types"/>
-    <ds:schemaRef ds:uri="79ddb764-415a-4c38-83b7-908be6382bea"/>
-    <ds:schemaRef ds:uri="http://schemas.microsoft.com/office/infopath/2007/PartnerControls"/>
-    <ds:schemaRef ds:uri="http://purl.org/dc/elements/1.1/"/>
-    <ds:schemaRef ds:uri="http://schemas.microsoft.com/office/2006/metadata/properties"/>
-    <ds:schemaRef ds:uri="http://schemas.openxmlformats.org/package/2006/metadata/core-properties"/>
-    <ds:schemaRef ds:uri="http://www.w3.org/XML/1998/namespace"/>
-    <ds:schemaRef ds:uri="http://purl.org/dc/dcmitype/"/>
-    <ds:schemaRef ds:uri="820f9cb1-409d-4c4b-8197-1d4f7dd48124"/>
-    <ds:schemaRef ds:uri="08600313-7276-4ca7-b5d3-7d86193ee0ac"/>
-  </ds:schemaRefs>
-</ds:datastoreItem>
-</file>
-
-<file path=customXml/itemProps2.xml><?xml version="1.0" encoding="utf-8"?>
 <ds:datastoreItem xmlns:ds="http://schemas.openxmlformats.org/officeDocument/2006/customXml" ds:itemID="{DFB705E6-53BA-46E9-9674-976275B28AE7}">
   <ds:schemaRefs>
     <ds:schemaRef ds:uri="http://schemas.microsoft.com/office/2006/metadata/contentType"/>
@@ -5566,6 +5484,24 @@
 </ds:datastoreItem>
 </file>
 
+<file path=customXml/itemProps2.xml><?xml version="1.0" encoding="utf-8"?>
+<ds:datastoreItem xmlns:ds="http://schemas.openxmlformats.org/officeDocument/2006/customXml" ds:itemID="{2F4CC81C-03FD-4D6F-AA26-1CFBF0EF6A42}">
+  <ds:schemaRefs>
+    <ds:schemaRef ds:uri="http://purl.org/dc/terms/"/>
+    <ds:schemaRef ds:uri="http://schemas.microsoft.com/office/2006/documentManagement/types"/>
+    <ds:schemaRef ds:uri="79ddb764-415a-4c38-83b7-908be6382bea"/>
+    <ds:schemaRef ds:uri="http://schemas.microsoft.com/office/infopath/2007/PartnerControls"/>
+    <ds:schemaRef ds:uri="http://purl.org/dc/elements/1.1/"/>
+    <ds:schemaRef ds:uri="http://schemas.microsoft.com/office/2006/metadata/properties"/>
+    <ds:schemaRef ds:uri="http://schemas.openxmlformats.org/package/2006/metadata/core-properties"/>
+    <ds:schemaRef ds:uri="http://www.w3.org/XML/1998/namespace"/>
+    <ds:schemaRef ds:uri="http://purl.org/dc/dcmitype/"/>
+    <ds:schemaRef ds:uri="820f9cb1-409d-4c4b-8197-1d4f7dd48124"/>
+    <ds:schemaRef ds:uri="08600313-7276-4ca7-b5d3-7d86193ee0ac"/>
+  </ds:schemaRefs>
+</ds:datastoreItem>
+</file>
+
 <file path=customXml/itemProps3.xml><?xml version="1.0" encoding="utf-8"?>
 <ds:datastoreItem xmlns:ds="http://schemas.openxmlformats.org/officeDocument/2006/customXml" ds:itemID="{06B0D7FD-3F15-4031-9B74-9BD0678C88D3}">
   <ds:schemaRefs>
